--- a/PPT.pptx
+++ b/PPT.pptx
@@ -205,7 +205,7 @@
             <a:fld id="{77528D6C-E512-4727-89F7-1856D6A60E0C}" type="datetimeFigureOut">
               <a:rPr lang="en-US" smtClean="0"/>
               <a:pPr/>
-              <a:t>3/30/2021</a:t>
+              <a:t>3/31/2021</a:t>
             </a:fld>
             <a:endParaRPr lang="en-IN"/>
           </a:p>
@@ -645,7 +645,7 @@
             <a:fld id="{79ECE8E0-13A7-45AE-856E-3EF570369E8C}" type="datetimeFigureOut">
               <a:rPr lang="en-US" smtClean="0"/>
               <a:pPr/>
-              <a:t>3/30/2021</a:t>
+              <a:t>3/31/2021</a:t>
             </a:fld>
             <a:endParaRPr lang="en-IN"/>
           </a:p>
@@ -812,7 +812,7 @@
             <a:fld id="{79ECE8E0-13A7-45AE-856E-3EF570369E8C}" type="datetimeFigureOut">
               <a:rPr lang="en-US" smtClean="0"/>
               <a:pPr/>
-              <a:t>3/30/2021</a:t>
+              <a:t>3/31/2021</a:t>
             </a:fld>
             <a:endParaRPr lang="en-IN"/>
           </a:p>
@@ -989,7 +989,7 @@
             <a:fld id="{79ECE8E0-13A7-45AE-856E-3EF570369E8C}" type="datetimeFigureOut">
               <a:rPr lang="en-US" smtClean="0"/>
               <a:pPr/>
-              <a:t>3/30/2021</a:t>
+              <a:t>3/31/2021</a:t>
             </a:fld>
             <a:endParaRPr lang="en-IN"/>
           </a:p>
@@ -1156,7 +1156,7 @@
             <a:fld id="{79ECE8E0-13A7-45AE-856E-3EF570369E8C}" type="datetimeFigureOut">
               <a:rPr lang="en-US" smtClean="0"/>
               <a:pPr/>
-              <a:t>3/30/2021</a:t>
+              <a:t>3/31/2021</a:t>
             </a:fld>
             <a:endParaRPr lang="en-IN"/>
           </a:p>
@@ -1400,7 +1400,7 @@
             <a:fld id="{79ECE8E0-13A7-45AE-856E-3EF570369E8C}" type="datetimeFigureOut">
               <a:rPr lang="en-US" smtClean="0"/>
               <a:pPr/>
-              <a:t>3/30/2021</a:t>
+              <a:t>3/31/2021</a:t>
             </a:fld>
             <a:endParaRPr lang="en-IN"/>
           </a:p>
@@ -1666,7 +1666,7 @@
             <a:fld id="{79ECE8E0-13A7-45AE-856E-3EF570369E8C}" type="datetimeFigureOut">
               <a:rPr lang="en-US" smtClean="0"/>
               <a:pPr/>
-              <a:t>3/30/2021</a:t>
+              <a:t>3/31/2021</a:t>
             </a:fld>
             <a:endParaRPr lang="en-IN"/>
           </a:p>
@@ -2046,7 +2046,7 @@
             <a:fld id="{79ECE8E0-13A7-45AE-856E-3EF570369E8C}" type="datetimeFigureOut">
               <a:rPr lang="en-US" smtClean="0"/>
               <a:pPr/>
-              <a:t>3/30/2021</a:t>
+              <a:t>3/31/2021</a:t>
             </a:fld>
             <a:endParaRPr lang="en-IN"/>
           </a:p>
@@ -2198,7 +2198,7 @@
             <a:fld id="{79ECE8E0-13A7-45AE-856E-3EF570369E8C}" type="datetimeFigureOut">
               <a:rPr lang="en-US" smtClean="0"/>
               <a:pPr/>
-              <a:t>3/30/2021</a:t>
+              <a:t>3/31/2021</a:t>
             </a:fld>
             <a:endParaRPr lang="en-IN"/>
           </a:p>
@@ -2290,7 +2290,7 @@
             <a:fld id="{79ECE8E0-13A7-45AE-856E-3EF570369E8C}" type="datetimeFigureOut">
               <a:rPr lang="en-US" smtClean="0"/>
               <a:pPr/>
-              <a:t>3/30/2021</a:t>
+              <a:t>3/31/2021</a:t>
             </a:fld>
             <a:endParaRPr lang="en-IN"/>
           </a:p>
@@ -2553,7 +2553,7 @@
             <a:fld id="{79ECE8E0-13A7-45AE-856E-3EF570369E8C}" type="datetimeFigureOut">
               <a:rPr lang="en-US" smtClean="0"/>
               <a:pPr/>
-              <a:t>3/30/2021</a:t>
+              <a:t>3/31/2021</a:t>
             </a:fld>
             <a:endParaRPr lang="en-IN"/>
           </a:p>
@@ -2843,7 +2843,7 @@
             <a:fld id="{79ECE8E0-13A7-45AE-856E-3EF570369E8C}" type="datetimeFigureOut">
               <a:rPr lang="en-US" smtClean="0"/>
               <a:pPr/>
-              <a:t>3/30/2021</a:t>
+              <a:t>3/31/2021</a:t>
             </a:fld>
             <a:endParaRPr lang="en-IN"/>
           </a:p>
@@ -3616,7 +3616,7 @@
             <a:fld id="{79ECE8E0-13A7-45AE-856E-3EF570369E8C}" type="datetimeFigureOut">
               <a:rPr lang="en-US" smtClean="0"/>
               <a:pPr/>
-              <a:t>3/30/2021</a:t>
+              <a:t>3/31/2021</a:t>
             </a:fld>
             <a:endParaRPr lang="en-IN"/>
           </a:p>
@@ -4437,37 +4437,6 @@
               </a:rPr>
             </a:br>
             <a:r>
-              <a:rPr lang="en-US" sz="2000" b="1" dirty="0">
-                <a:solidFill>
-                  <a:srgbClr val="FFCC00"/>
-                </a:solidFill>
-              </a:rPr>
-              <a:t> </a:t>
-            </a:r>
-            <a:r>
-              <a:rPr lang="en-IN" sz="2000" b="1" dirty="0">
-                <a:solidFill>
-                  <a:srgbClr val="FFCC00"/>
-                </a:solidFill>
-              </a:rPr>
-              <a:t/>
-            </a:r>
-            <a:br>
-              <a:rPr lang="en-IN" sz="2000" b="1" dirty="0">
-                <a:solidFill>
-                  <a:srgbClr val="FFCC00"/>
-                </a:solidFill>
-              </a:rPr>
-            </a:br>
-            <a:r>
-              <a:rPr lang="en-US" sz="2000" b="1" dirty="0">
-                <a:solidFill>
-                  <a:srgbClr val="FFCC00"/>
-                </a:solidFill>
-              </a:rPr>
-              <a:t> </a:t>
-            </a:r>
-            <a:r>
               <a:rPr lang="en-IN" sz="2000" b="1" dirty="0">
                 <a:solidFill>
                   <a:srgbClr val="FFCC00"/>
@@ -4961,8 +4930,11 @@
                   </a:schemeClr>
                 </a:solidFill>
               </a:rPr>
-              <a:t>After adding products to cart the page will show products </a:t>
-            </a:r>
+              <a:t>After adding products to cart the page will show products image, name, its price, quantity,</a:t>
+            </a:r>
+          </a:p>
+          <a:p>
+            <a:pPr marL="457200" indent="-457200"/>
             <a:r>
               <a:rPr lang="en-IN" sz="1600" dirty="0" smtClean="0">
                 <a:solidFill>
@@ -4971,50 +4943,7 @@
                   </a:schemeClr>
                 </a:solidFill>
               </a:rPr>
-              <a:t>image, name</a:t>
-            </a:r>
-            <a:r>
-              <a:rPr lang="en-IN" sz="1600" dirty="0" smtClean="0">
-                <a:solidFill>
-                  <a:schemeClr val="accent1">
-                    <a:lumMod val="75000"/>
-                  </a:schemeClr>
-                </a:solidFill>
-              </a:rPr>
-              <a:t>, its price, quantity</a:t>
-            </a:r>
-            <a:r>
-              <a:rPr lang="en-IN" sz="1600" dirty="0" smtClean="0">
-                <a:solidFill>
-                  <a:schemeClr val="accent1">
-                    <a:lumMod val="75000"/>
-                  </a:schemeClr>
-                </a:solidFill>
-              </a:rPr>
-              <a:t>,</a:t>
-            </a:r>
-          </a:p>
-          <a:p>
-            <a:pPr marL="457200" indent="-457200"/>
-            <a:r>
-              <a:rPr lang="en-IN" sz="1600" dirty="0" smtClean="0">
-                <a:solidFill>
-                  <a:schemeClr val="accent1">
-                    <a:lumMod val="75000"/>
-                  </a:schemeClr>
-                </a:solidFill>
-              </a:rPr>
-              <a:t>Total price </a:t>
-            </a:r>
-            <a:r>
-              <a:rPr lang="en-IN" sz="1600" dirty="0" smtClean="0">
-                <a:solidFill>
-                  <a:schemeClr val="accent1">
-                    <a:lumMod val="75000"/>
-                  </a:schemeClr>
-                </a:solidFill>
-              </a:rPr>
-              <a:t>of all the products and place order button.</a:t>
+              <a:t>Total price of all the products and place order button.</a:t>
             </a:r>
           </a:p>
         </p:txBody>
@@ -5260,8 +5189,11 @@
                   </a:schemeClr>
                 </a:solidFill>
               </a:rPr>
-              <a:t>After </a:t>
-            </a:r>
+              <a:t>After successful payment a “thank you” page will come. In this page, a link is there to</a:t>
+            </a:r>
+          </a:p>
+          <a:p>
+            <a:pPr marL="457200" indent="-457200"/>
             <a:r>
               <a:rPr lang="en-IN" sz="1600" dirty="0" smtClean="0">
                 <a:solidFill>
@@ -5270,38 +5202,8 @@
                   </a:schemeClr>
                 </a:solidFill>
               </a:rPr>
-              <a:t>successful payment a “thank you” page </a:t>
-            </a:r>
-            <a:r>
-              <a:rPr lang="en-IN" sz="1600" dirty="0" smtClean="0">
-                <a:solidFill>
-                  <a:schemeClr val="accent1">
-                    <a:lumMod val="75000"/>
-                  </a:schemeClr>
-                </a:solidFill>
-              </a:rPr>
-              <a:t>will come. In this page, a link is there to</a:t>
-            </a:r>
-          </a:p>
-          <a:p>
-            <a:pPr marL="457200" indent="-457200"/>
-            <a:r>
-              <a:rPr lang="en-IN" sz="1600" dirty="0" smtClean="0">
-                <a:solidFill>
-                  <a:schemeClr val="accent1">
-                    <a:lumMod val="75000"/>
-                  </a:schemeClr>
-                </a:solidFill>
-              </a:rPr>
               <a:t>redirect to the home page of the website for further shopping.</a:t>
             </a:r>
-            <a:endParaRPr lang="en-IN" sz="1600" dirty="0" smtClean="0">
-              <a:solidFill>
-                <a:schemeClr val="accent1">
-                  <a:lumMod val="75000"/>
-                </a:schemeClr>
-              </a:solidFill>
-            </a:endParaRPr>
           </a:p>
         </p:txBody>
       </p:sp>
@@ -5695,7 +5597,7 @@
         </p:blipFill>
         <p:spPr bwMode="auto">
           <a:xfrm>
-            <a:off x="500034" y="1881201"/>
+            <a:off x="500034" y="1952639"/>
             <a:ext cx="8286809" cy="4476757"/>
           </a:xfrm>
           <a:prstGeom prst="rect">
